--- a/Output/MgO nc20 initial submodel/MgO_submodel_RMSEs.pptx
+++ b/Output/MgO nc20 initial submodel/MgO_submodel_RMSEs.pptx
@@ -3280,6 +3280,78 @@
           </a:p>
         </p:txBody>
       </p:sp>
+      <p:cxnSp>
+        <p:nvCxnSpPr>
+          <p:cNvPr id="3" name="Straight Connector 2"/>
+          <p:cNvCxnSpPr/>
+          <p:nvPr/>
+        </p:nvCxnSpPr>
+        <p:spPr>
+          <a:xfrm>
+            <a:off x="1600200" y="228600"/>
+            <a:ext cx="0" cy="2895600"/>
+          </a:xfrm>
+          <a:prstGeom prst="line">
+            <a:avLst/>
+          </a:prstGeom>
+          <a:ln w="38100">
+            <a:solidFill>
+              <a:srgbClr val="00FF00"/>
+            </a:solidFill>
+            <a:prstDash val="dash"/>
+          </a:ln>
+        </p:spPr>
+        <p:style>
+          <a:lnRef idx="1">
+            <a:schemeClr val="accent1"/>
+          </a:lnRef>
+          <a:fillRef idx="0">
+            <a:schemeClr val="accent1"/>
+          </a:fillRef>
+          <a:effectRef idx="0">
+            <a:schemeClr val="accent1"/>
+          </a:effectRef>
+          <a:fontRef idx="minor">
+            <a:schemeClr val="tx1"/>
+          </a:fontRef>
+        </p:style>
+      </p:cxnSp>
+      <p:cxnSp>
+        <p:nvCxnSpPr>
+          <p:cNvPr id="10" name="Straight Connector 9"/>
+          <p:cNvCxnSpPr/>
+          <p:nvPr/>
+        </p:nvCxnSpPr>
+        <p:spPr>
+          <a:xfrm>
+            <a:off x="6248400" y="304800"/>
+            <a:ext cx="0" cy="2895600"/>
+          </a:xfrm>
+          <a:prstGeom prst="line">
+            <a:avLst/>
+          </a:prstGeom>
+          <a:ln w="38100">
+            <a:solidFill>
+              <a:srgbClr val="00FF00"/>
+            </a:solidFill>
+            <a:prstDash val="dash"/>
+          </a:ln>
+        </p:spPr>
+        <p:style>
+          <a:lnRef idx="1">
+            <a:schemeClr val="accent1"/>
+          </a:lnRef>
+          <a:fillRef idx="0">
+            <a:schemeClr val="accent1"/>
+          </a:fillRef>
+          <a:effectRef idx="0">
+            <a:schemeClr val="accent1"/>
+          </a:effectRef>
+          <a:fontRef idx="minor">
+            <a:schemeClr val="tx1"/>
+          </a:fontRef>
+        </p:style>
+      </p:cxnSp>
     </p:spTree>
     <p:extLst>
       <p:ext uri="{BB962C8B-B14F-4D97-AF65-F5344CB8AC3E}">
@@ -3492,6 +3564,78 @@
           </a:p>
         </p:txBody>
       </p:sp>
+      <p:cxnSp>
+        <p:nvCxnSpPr>
+          <p:cNvPr id="8" name="Straight Connector 7"/>
+          <p:cNvCxnSpPr/>
+          <p:nvPr/>
+        </p:nvCxnSpPr>
+        <p:spPr>
+          <a:xfrm>
+            <a:off x="2286000" y="228600"/>
+            <a:ext cx="0" cy="2895600"/>
+          </a:xfrm>
+          <a:prstGeom prst="line">
+            <a:avLst/>
+          </a:prstGeom>
+          <a:ln w="38100">
+            <a:solidFill>
+              <a:srgbClr val="00FF00"/>
+            </a:solidFill>
+            <a:prstDash val="dash"/>
+          </a:ln>
+        </p:spPr>
+        <p:style>
+          <a:lnRef idx="1">
+            <a:schemeClr val="accent1"/>
+          </a:lnRef>
+          <a:fillRef idx="0">
+            <a:schemeClr val="accent1"/>
+          </a:fillRef>
+          <a:effectRef idx="0">
+            <a:schemeClr val="accent1"/>
+          </a:effectRef>
+          <a:fontRef idx="minor">
+            <a:schemeClr val="tx1"/>
+          </a:fontRef>
+        </p:style>
+      </p:cxnSp>
+      <p:cxnSp>
+        <p:nvCxnSpPr>
+          <p:cNvPr id="9" name="Straight Connector 8"/>
+          <p:cNvCxnSpPr/>
+          <p:nvPr/>
+        </p:nvCxnSpPr>
+        <p:spPr>
+          <a:xfrm>
+            <a:off x="6934200" y="228600"/>
+            <a:ext cx="0" cy="2895600"/>
+          </a:xfrm>
+          <a:prstGeom prst="line">
+            <a:avLst/>
+          </a:prstGeom>
+          <a:ln w="38100">
+            <a:solidFill>
+              <a:srgbClr val="00FF00"/>
+            </a:solidFill>
+            <a:prstDash val="dash"/>
+          </a:ln>
+        </p:spPr>
+        <p:style>
+          <a:lnRef idx="1">
+            <a:schemeClr val="accent1"/>
+          </a:lnRef>
+          <a:fillRef idx="0">
+            <a:schemeClr val="accent1"/>
+          </a:fillRef>
+          <a:effectRef idx="0">
+            <a:schemeClr val="accent1"/>
+          </a:effectRef>
+          <a:fontRef idx="minor">
+            <a:schemeClr val="tx1"/>
+          </a:fontRef>
+        </p:style>
+      </p:cxnSp>
     </p:spTree>
     <p:extLst>
       <p:ext uri="{BB962C8B-B14F-4D97-AF65-F5344CB8AC3E}">
@@ -3704,6 +3848,78 @@
           </a:p>
         </p:txBody>
       </p:sp>
+      <p:cxnSp>
+        <p:nvCxnSpPr>
+          <p:cNvPr id="9" name="Straight Connector 8"/>
+          <p:cNvCxnSpPr/>
+          <p:nvPr/>
+        </p:nvCxnSpPr>
+        <p:spPr>
+          <a:xfrm>
+            <a:off x="1447800" y="228600"/>
+            <a:ext cx="0" cy="2895600"/>
+          </a:xfrm>
+          <a:prstGeom prst="line">
+            <a:avLst/>
+          </a:prstGeom>
+          <a:ln w="38100">
+            <a:solidFill>
+              <a:srgbClr val="00FF00"/>
+            </a:solidFill>
+            <a:prstDash val="dash"/>
+          </a:ln>
+        </p:spPr>
+        <p:style>
+          <a:lnRef idx="1">
+            <a:schemeClr val="accent1"/>
+          </a:lnRef>
+          <a:fillRef idx="0">
+            <a:schemeClr val="accent1"/>
+          </a:fillRef>
+          <a:effectRef idx="0">
+            <a:schemeClr val="accent1"/>
+          </a:effectRef>
+          <a:fontRef idx="minor">
+            <a:schemeClr val="tx1"/>
+          </a:fontRef>
+        </p:style>
+      </p:cxnSp>
+      <p:cxnSp>
+        <p:nvCxnSpPr>
+          <p:cNvPr id="10" name="Straight Connector 9"/>
+          <p:cNvCxnSpPr/>
+          <p:nvPr/>
+        </p:nvCxnSpPr>
+        <p:spPr>
+          <a:xfrm>
+            <a:off x="6096000" y="228600"/>
+            <a:ext cx="0" cy="2895600"/>
+          </a:xfrm>
+          <a:prstGeom prst="line">
+            <a:avLst/>
+          </a:prstGeom>
+          <a:ln w="38100">
+            <a:solidFill>
+              <a:srgbClr val="00FF00"/>
+            </a:solidFill>
+            <a:prstDash val="dash"/>
+          </a:ln>
+        </p:spPr>
+        <p:style>
+          <a:lnRef idx="1">
+            <a:schemeClr val="accent1"/>
+          </a:lnRef>
+          <a:fillRef idx="0">
+            <a:schemeClr val="accent1"/>
+          </a:fillRef>
+          <a:effectRef idx="0">
+            <a:schemeClr val="accent1"/>
+          </a:effectRef>
+          <a:fontRef idx="minor">
+            <a:schemeClr val="tx1"/>
+          </a:fontRef>
+        </p:style>
+      </p:cxnSp>
     </p:spTree>
     <p:extLst>
       <p:ext uri="{BB962C8B-B14F-4D97-AF65-F5344CB8AC3E}">
@@ -3916,6 +4132,78 @@
           </a:p>
         </p:txBody>
       </p:sp>
+      <p:cxnSp>
+        <p:nvCxnSpPr>
+          <p:cNvPr id="8" name="Straight Connector 7"/>
+          <p:cNvCxnSpPr/>
+          <p:nvPr/>
+        </p:nvCxnSpPr>
+        <p:spPr>
+          <a:xfrm>
+            <a:off x="1752600" y="228600"/>
+            <a:ext cx="0" cy="2895600"/>
+          </a:xfrm>
+          <a:prstGeom prst="line">
+            <a:avLst/>
+          </a:prstGeom>
+          <a:ln w="38100">
+            <a:solidFill>
+              <a:srgbClr val="00FF00"/>
+            </a:solidFill>
+            <a:prstDash val="dash"/>
+          </a:ln>
+        </p:spPr>
+        <p:style>
+          <a:lnRef idx="1">
+            <a:schemeClr val="accent1"/>
+          </a:lnRef>
+          <a:fillRef idx="0">
+            <a:schemeClr val="accent1"/>
+          </a:fillRef>
+          <a:effectRef idx="0">
+            <a:schemeClr val="accent1"/>
+          </a:effectRef>
+          <a:fontRef idx="minor">
+            <a:schemeClr val="tx1"/>
+          </a:fontRef>
+        </p:style>
+      </p:cxnSp>
+      <p:cxnSp>
+        <p:nvCxnSpPr>
+          <p:cNvPr id="9" name="Straight Connector 8"/>
+          <p:cNvCxnSpPr/>
+          <p:nvPr/>
+        </p:nvCxnSpPr>
+        <p:spPr>
+          <a:xfrm>
+            <a:off x="6400800" y="228600"/>
+            <a:ext cx="0" cy="2895600"/>
+          </a:xfrm>
+          <a:prstGeom prst="line">
+            <a:avLst/>
+          </a:prstGeom>
+          <a:ln w="38100">
+            <a:solidFill>
+              <a:srgbClr val="00FF00"/>
+            </a:solidFill>
+            <a:prstDash val="dash"/>
+          </a:ln>
+        </p:spPr>
+        <p:style>
+          <a:lnRef idx="1">
+            <a:schemeClr val="accent1"/>
+          </a:lnRef>
+          <a:fillRef idx="0">
+            <a:schemeClr val="accent1"/>
+          </a:fillRef>
+          <a:effectRef idx="0">
+            <a:schemeClr val="accent1"/>
+          </a:effectRef>
+          <a:fontRef idx="minor">
+            <a:schemeClr val="tx1"/>
+          </a:fontRef>
+        </p:style>
+      </p:cxnSp>
     </p:spTree>
     <p:extLst>
       <p:ext uri="{BB962C8B-B14F-4D97-AF65-F5344CB8AC3E}">
